--- a/Project2-Shiny/Samriddhi_Twiiter_Analysis/Twitter Analysis.pptx
+++ b/Project2-Shiny/Samriddhi_Twiiter_Analysis/Twitter Analysis.pptx
@@ -314,7 +314,7 @@
             <a:fld id="{1D8BD707-D9CF-40AE-B4C6-C98DA3205C09}" type="datetimeFigureOut">
               <a:rPr lang="en-US" smtClean="0"/>
               <a:pPr/>
-              <a:t>7/31/2016</a:t>
+              <a:t>8/1/2016</a:t>
             </a:fld>
             <a:endParaRPr lang="en-US"/>
           </a:p>
@@ -481,7 +481,7 @@
             <a:fld id="{1D8BD707-D9CF-40AE-B4C6-C98DA3205C09}" type="datetimeFigureOut">
               <a:rPr lang="en-US" smtClean="0"/>
               <a:pPr/>
-              <a:t>7/31/2016</a:t>
+              <a:t>8/1/2016</a:t>
             </a:fld>
             <a:endParaRPr lang="en-US"/>
           </a:p>
@@ -658,7 +658,7 @@
             <a:fld id="{1D8BD707-D9CF-40AE-B4C6-C98DA3205C09}" type="datetimeFigureOut">
               <a:rPr lang="en-US" smtClean="0"/>
               <a:pPr/>
-              <a:t>7/31/2016</a:t>
+              <a:t>8/1/2016</a:t>
             </a:fld>
             <a:endParaRPr lang="en-US"/>
           </a:p>
@@ -825,7 +825,7 @@
             <a:fld id="{1D8BD707-D9CF-40AE-B4C6-C98DA3205C09}" type="datetimeFigureOut">
               <a:rPr lang="en-US" smtClean="0"/>
               <a:pPr/>
-              <a:t>7/31/2016</a:t>
+              <a:t>8/1/2016</a:t>
             </a:fld>
             <a:endParaRPr lang="en-US"/>
           </a:p>
@@ -1068,7 +1068,7 @@
             <a:fld id="{1D8BD707-D9CF-40AE-B4C6-C98DA3205C09}" type="datetimeFigureOut">
               <a:rPr lang="en-US" smtClean="0"/>
               <a:pPr/>
-              <a:t>7/31/2016</a:t>
+              <a:t>8/1/2016</a:t>
             </a:fld>
             <a:endParaRPr lang="en-US"/>
           </a:p>
@@ -1353,7 +1353,7 @@
             <a:fld id="{1D8BD707-D9CF-40AE-B4C6-C98DA3205C09}" type="datetimeFigureOut">
               <a:rPr lang="en-US" smtClean="0"/>
               <a:pPr/>
-              <a:t>7/31/2016</a:t>
+              <a:t>8/1/2016</a:t>
             </a:fld>
             <a:endParaRPr lang="en-US"/>
           </a:p>
@@ -1784,7 +1784,7 @@
             <a:fld id="{1D8BD707-D9CF-40AE-B4C6-C98DA3205C09}" type="datetimeFigureOut">
               <a:rPr lang="en-US" smtClean="0"/>
               <a:pPr/>
-              <a:t>7/31/2016</a:t>
+              <a:t>8/1/2016</a:t>
             </a:fld>
             <a:endParaRPr lang="en-US"/>
           </a:p>
@@ -1899,7 +1899,7 @@
             <a:fld id="{1D8BD707-D9CF-40AE-B4C6-C98DA3205C09}" type="datetimeFigureOut">
               <a:rPr lang="en-US" smtClean="0"/>
               <a:pPr/>
-              <a:t>7/31/2016</a:t>
+              <a:t>8/1/2016</a:t>
             </a:fld>
             <a:endParaRPr lang="en-US"/>
           </a:p>
@@ -1991,7 +1991,7 @@
             <a:fld id="{1D8BD707-D9CF-40AE-B4C6-C98DA3205C09}" type="datetimeFigureOut">
               <a:rPr lang="en-US" smtClean="0"/>
               <a:pPr/>
-              <a:t>7/31/2016</a:t>
+              <a:t>8/1/2016</a:t>
             </a:fld>
             <a:endParaRPr lang="en-US"/>
           </a:p>
@@ -2182,7 +2182,7 @@
             <a:fld id="{1D8BD707-D9CF-40AE-B4C6-C98DA3205C09}" type="datetimeFigureOut">
               <a:rPr lang="en-US" smtClean="0"/>
               <a:pPr/>
-              <a:t>7/31/2016</a:t>
+              <a:t>8/1/2016</a:t>
             </a:fld>
             <a:endParaRPr lang="en-US"/>
           </a:p>
@@ -2502,7 +2502,7 @@
             <a:fld id="{1D8BD707-D9CF-40AE-B4C6-C98DA3205C09}" type="datetimeFigureOut">
               <a:rPr lang="en-US" smtClean="0"/>
               <a:pPr/>
-              <a:t>7/31/2016</a:t>
+              <a:t>8/1/2016</a:t>
             </a:fld>
             <a:endParaRPr lang="en-US"/>
           </a:p>
@@ -2884,7 +2884,7 @@
             <a:fld id="{1D8BD707-D9CF-40AE-B4C6-C98DA3205C09}" type="datetimeFigureOut">
               <a:rPr lang="en-US" smtClean="0"/>
               <a:pPr/>
-              <a:t>7/31/2016</a:t>
+              <a:t>8/1/2016</a:t>
             </a:fld>
             <a:endParaRPr lang="en-US"/>
           </a:p>
@@ -3373,6 +3373,13 @@
   <p:clrMapOvr>
     <a:masterClrMapping/>
   </p:clrMapOvr>
+  <p:timing>
+    <p:tnLst>
+      <p:par>
+        <p:cTn id="1" dur="indefinite" restart="never" nodeType="tmRoot"/>
+      </p:par>
+    </p:tnLst>
+  </p:timing>
 </p:sld>
 </file>
 
@@ -3457,6 +3464,13 @@
   <p:clrMapOvr>
     <a:masterClrMapping/>
   </p:clrMapOvr>
+  <p:timing>
+    <p:tnLst>
+      <p:par>
+        <p:cTn id="1" dur="indefinite" restart="never" nodeType="tmRoot"/>
+      </p:par>
+    </p:tnLst>
+  </p:timing>
 </p:sld>
 </file>
 
@@ -3526,10 +3540,38 @@
         <p:spPr>
           <a:xfrm>
             <a:off x="1066800" y="1371600"/>
-            <a:ext cx="6654800" cy="4991100"/>
+            <a:ext cx="6654800" cy="3810000"/>
           </a:xfrm>
         </p:spPr>
       </p:pic>
+      <p:sp>
+        <p:nvSpPr>
+          <p:cNvPr id="3" name="Rectangle 2"/>
+          <p:cNvSpPr/>
+          <p:nvPr/>
+        </p:nvSpPr>
+        <p:spPr>
+          <a:xfrm>
+            <a:off x="2590800" y="5867400"/>
+            <a:ext cx="2314480" cy="369332"/>
+          </a:xfrm>
+          <a:prstGeom prst="rect">
+            <a:avLst/>
+          </a:prstGeom>
+        </p:spPr>
+        <p:txBody>
+          <a:bodyPr wrap="none">
+            <a:spAutoFit/>
+          </a:bodyPr>
+          <a:lstStyle/>
+          <a:p>
+            <a:r>
+              <a:rPr lang="en-US" dirty="0"/>
+              <a:t>http://10.0.0.16:3168/</a:t>
+            </a:r>
+          </a:p>
+        </p:txBody>
+      </p:sp>
     </p:spTree>
     <p:extLst>
       <p:ext uri="{BB962C8B-B14F-4D97-AF65-F5344CB8AC3E}">
@@ -3540,6 +3582,13 @@
   <p:clrMapOvr>
     <a:masterClrMapping/>
   </p:clrMapOvr>
+  <p:timing>
+    <p:tnLst>
+      <p:par>
+        <p:cTn id="1" dur="indefinite" restart="never" nodeType="tmRoot"/>
+      </p:par>
+    </p:tnLst>
+  </p:timing>
 </p:sld>
 </file>
 
@@ -3661,6 +3710,13 @@
   <p:clrMapOvr>
     <a:masterClrMapping/>
   </p:clrMapOvr>
+  <p:timing>
+    <p:tnLst>
+      <p:par>
+        <p:cTn id="1" dur="indefinite" restart="never" nodeType="tmRoot"/>
+      </p:par>
+    </p:tnLst>
+  </p:timing>
 </p:sld>
 </file>
 
@@ -3739,6 +3795,13 @@
   <p:clrMapOvr>
     <a:masterClrMapping/>
   </p:clrMapOvr>
+  <p:timing>
+    <p:tnLst>
+      <p:par>
+        <p:cTn id="1" dur="indefinite" restart="never" nodeType="tmRoot"/>
+      </p:par>
+    </p:tnLst>
+  </p:timing>
 </p:sld>
 </file>
 
@@ -3942,6 +4005,13 @@
   <p:clrMapOvr>
     <a:masterClrMapping/>
   </p:clrMapOvr>
+  <p:timing>
+    <p:tnLst>
+      <p:par>
+        <p:cTn id="1" dur="indefinite" restart="never" nodeType="tmRoot"/>
+      </p:par>
+    </p:tnLst>
+  </p:timing>
 </p:sld>
 </file>
 
@@ -4025,6 +4095,13 @@
   <p:clrMapOvr>
     <a:masterClrMapping/>
   </p:clrMapOvr>
+  <p:timing>
+    <p:tnLst>
+      <p:par>
+        <p:cTn id="1" dur="indefinite" restart="never" nodeType="tmRoot"/>
+      </p:par>
+    </p:tnLst>
+  </p:timing>
 </p:sld>
 </file>
 
@@ -4250,6 +4327,13 @@
   <p:clrMapOvr>
     <a:masterClrMapping/>
   </p:clrMapOvr>
+  <p:timing>
+    <p:tnLst>
+      <p:par>
+        <p:cTn id="1" dur="indefinite" restart="never" nodeType="tmRoot"/>
+      </p:par>
+    </p:tnLst>
+  </p:timing>
 </p:sld>
 </file>
 
@@ -4362,6 +4446,13 @@
   <p:clrMapOvr>
     <a:masterClrMapping/>
   </p:clrMapOvr>
+  <p:timing>
+    <p:tnLst>
+      <p:par>
+        <p:cTn id="1" dur="indefinite" restart="never" nodeType="tmRoot"/>
+      </p:par>
+    </p:tnLst>
+  </p:timing>
 </p:sld>
 </file>
 
@@ -4440,6 +4531,13 @@
   <p:clrMapOvr>
     <a:masterClrMapping/>
   </p:clrMapOvr>
+  <p:timing>
+    <p:tnLst>
+      <p:par>
+        <p:cTn id="1" dur="indefinite" restart="never" nodeType="tmRoot"/>
+      </p:par>
+    </p:tnLst>
+  </p:timing>
 </p:sld>
 </file>
 
@@ -4523,6 +4621,13 @@
   <p:clrMapOvr>
     <a:masterClrMapping/>
   </p:clrMapOvr>
+  <p:timing>
+    <p:tnLst>
+      <p:par>
+        <p:cTn id="1" dur="indefinite" restart="never" nodeType="tmRoot"/>
+      </p:par>
+    </p:tnLst>
+  </p:timing>
 </p:sld>
 </file>
 
@@ -4666,7 +4771,6 @@
               <a:rPr lang="en-US" sz="2400" dirty="0"/>
               <a:t>different emotions and their corresponding valence in a text file.</a:t>
             </a:r>
-            <a:endParaRPr lang="en-US" sz="2400" dirty="0"/>
           </a:p>
         </p:txBody>
       </p:sp>
@@ -4680,6 +4784,13 @@
   <p:clrMapOvr>
     <a:masterClrMapping/>
   </p:clrMapOvr>
+  <p:timing>
+    <p:tnLst>
+      <p:par>
+        <p:cTn id="1" dur="indefinite" restart="never" nodeType="tmRoot"/>
+      </p:par>
+    </p:tnLst>
+  </p:timing>
 </p:sld>
 </file>
 
@@ -4762,6 +4873,13 @@
   <p:clrMapOvr>
     <a:masterClrMapping/>
   </p:clrMapOvr>
+  <p:timing>
+    <p:tnLst>
+      <p:par>
+        <p:cTn id="1" dur="indefinite" restart="never" nodeType="tmRoot"/>
+      </p:par>
+    </p:tnLst>
+  </p:timing>
 </p:sld>
 </file>
 
